--- a/documents/marketing/Klassische Medien Marketingkonzept/Marketingstrategie - Klassische Medien (5.8).pptx
+++ b/documents/marketing/Klassische Medien Marketingkonzept/Marketingstrategie - Klassische Medien (5.8).pptx
@@ -233,11 +233,11 @@
         </c:dLbls>
         <c:marker val="1"/>
         <c:smooth val="0"/>
-        <c:axId val="136381160"/>
-        <c:axId val="136408136"/>
+        <c:axId val="142298400"/>
+        <c:axId val="141727216"/>
       </c:lineChart>
       <c:catAx>
-        <c:axId val="136381160"/>
+        <c:axId val="142298400"/>
         <c:scaling>
           <c:orientation val="minMax"/>
         </c:scaling>
@@ -257,7 +257,7 @@
             <a:endParaRPr lang="de-DE"/>
           </a:p>
         </c:txPr>
-        <c:crossAx val="136408136"/>
+        <c:crossAx val="141727216"/>
         <c:crosses val="autoZero"/>
         <c:auto val="1"/>
         <c:lblAlgn val="ctr"/>
@@ -265,7 +265,7 @@
         <c:noMultiLvlLbl val="1"/>
       </c:catAx>
       <c:valAx>
-        <c:axId val="136408136"/>
+        <c:axId val="141727216"/>
         <c:scaling>
           <c:orientation val="minMax"/>
         </c:scaling>
@@ -276,13 +276,14 @@
         <c:majorTickMark val="out"/>
         <c:minorTickMark val="none"/>
         <c:tickLblPos val="nextTo"/>
-        <c:crossAx val="136381160"/>
+        <c:crossAx val="142298400"/>
         <c:crosses val="autoZero"/>
         <c:crossBetween val="between"/>
       </c:valAx>
     </c:plotArea>
     <c:legend>
       <c:legendPos val="b"/>
+      <c:layout/>
       <c:overlay val="0"/>
     </c:legend>
     <c:plotVisOnly val="1"/>
@@ -3959,31 +3960,49 @@
               <a:buNone/>
             </a:pPr>
             <a:r>
-              <a:rPr lang="de-DE" b="1" dirty="0"/>
+              <a:rPr lang="de-DE" b="1" dirty="0">
+                <a:latin typeface="Arial" panose="020B0604020202020204" pitchFamily="34" charset="0"/>
+                <a:cs typeface="Arial" panose="020B0604020202020204" pitchFamily="34" charset="0"/>
+              </a:rPr>
               <a:t>Vertriebspolitik</a:t>
             </a:r>
             <a:r>
-              <a:rPr lang="de-DE" dirty="0"/>
+              <a:rPr lang="de-DE" dirty="0">
+                <a:latin typeface="Arial" panose="020B0604020202020204" pitchFamily="34" charset="0"/>
+                <a:cs typeface="Arial" panose="020B0604020202020204" pitchFamily="34" charset="0"/>
+              </a:rPr>
               <a:t> </a:t>
             </a:r>
           </a:p>
           <a:p>
             <a:pPr lvl="1"/>
             <a:r>
-              <a:rPr lang="de-DE" dirty="0"/>
+              <a:rPr lang="de-DE" dirty="0">
+                <a:latin typeface="Arial" panose="020B0604020202020204" pitchFamily="34" charset="0"/>
+                <a:cs typeface="Arial" panose="020B0604020202020204" pitchFamily="34" charset="0"/>
+              </a:rPr>
               <a:t>Absatzkanalsystem gestalten, um die räumliche und zeitliche Distanz zwischen Unternehmen und Kunde zu überwinden. </a:t>
             </a:r>
           </a:p>
           <a:p>
             <a:pPr lvl="1"/>
             <a:r>
-              <a:rPr lang="de-DE" dirty="0"/>
+              <a:rPr lang="de-DE" dirty="0">
+                <a:latin typeface="Arial" panose="020B0604020202020204" pitchFamily="34" charset="0"/>
+                <a:cs typeface="Arial" panose="020B0604020202020204" pitchFamily="34" charset="0"/>
+              </a:rPr>
               <a:t>i.d.R. auf verschiedene Absatzmittler, d.h. Händler (indirekter Vertrieb)</a:t>
             </a:r>
             <a:br>
-              <a:rPr lang="de-DE" dirty="0"/>
+              <a:rPr lang="de-DE" dirty="0">
+                <a:latin typeface="Arial" panose="020B0604020202020204" pitchFamily="34" charset="0"/>
+                <a:cs typeface="Arial" panose="020B0604020202020204" pitchFamily="34" charset="0"/>
+              </a:rPr>
             </a:br>
-            <a:endParaRPr lang="de-DE" dirty="0"/>
+            <a:endParaRPr lang="de-DE" dirty="0">
+              <a:latin typeface="Arial" panose="020B0604020202020204" pitchFamily="34" charset="0"/>
+              <a:cs typeface="Arial" panose="020B0604020202020204" pitchFamily="34" charset="0"/>
+            </a:endParaRPr>
           </a:p>
           <a:p>
             <a:pPr marL="0" indent="0">
@@ -4969,10 +4988,16 @@
           <a:p>
             <a:pPr algn="l"/>
             <a:r>
-              <a:rPr lang="de-DE" sz="2800" b="1" dirty="0" smtClean="0"/>
+              <a:rPr lang="de-DE" sz="2800" b="1" dirty="0" smtClean="0">
+                <a:latin typeface="Arial" panose="020B0604020202020204" pitchFamily="34" charset="0"/>
+                <a:cs typeface="Arial" panose="020B0604020202020204" pitchFamily="34" charset="0"/>
+              </a:rPr>
               <a:t>3 b) Preispolitik</a:t>
             </a:r>
-            <a:endParaRPr lang="de-DE" sz="2800" b="1" dirty="0"/>
+            <a:endParaRPr lang="de-DE" sz="2800" b="1" dirty="0">
+              <a:latin typeface="Arial" panose="020B0604020202020204" pitchFamily="34" charset="0"/>
+              <a:cs typeface="Arial" panose="020B0604020202020204" pitchFamily="34" charset="0"/>
+            </a:endParaRPr>
           </a:p>
         </p:txBody>
       </p:sp>
@@ -5204,10 +5229,16 @@
           <a:p>
             <a:pPr algn="l"/>
             <a:r>
-              <a:rPr lang="de-DE" sz="2800" b="1" dirty="0" smtClean="0"/>
+              <a:rPr lang="de-DE" sz="2800" b="1" dirty="0" smtClean="0">
+                <a:latin typeface="Arial" panose="020B0604020202020204" pitchFamily="34" charset="0"/>
+                <a:cs typeface="Arial" panose="020B0604020202020204" pitchFamily="34" charset="0"/>
+              </a:rPr>
               <a:t>3 c) Kommunikationspolitik</a:t>
             </a:r>
-            <a:endParaRPr lang="de-DE" sz="2800" dirty="0"/>
+            <a:endParaRPr lang="de-DE" sz="2800" dirty="0">
+              <a:latin typeface="Arial" panose="020B0604020202020204" pitchFamily="34" charset="0"/>
+              <a:cs typeface="Arial" panose="020B0604020202020204" pitchFamily="34" charset="0"/>
+            </a:endParaRPr>
           </a:p>
         </p:txBody>
       </p:sp>
@@ -5397,10 +5428,16 @@
           <a:p>
             <a:pPr algn="l"/>
             <a:r>
-              <a:rPr lang="de-DE" sz="2800" b="1" dirty="0" smtClean="0"/>
+              <a:rPr lang="de-DE" sz="2800" b="1" dirty="0" smtClean="0">
+                <a:latin typeface="Arial" panose="020B0604020202020204" pitchFamily="34" charset="0"/>
+                <a:cs typeface="Arial" panose="020B0604020202020204" pitchFamily="34" charset="0"/>
+              </a:rPr>
               <a:t>3 c) Kommunikationspolitik</a:t>
             </a:r>
-            <a:endParaRPr lang="de-DE" sz="2800" dirty="0"/>
+            <a:endParaRPr lang="de-DE" sz="2800" dirty="0">
+              <a:latin typeface="Arial" panose="020B0604020202020204" pitchFamily="34" charset="0"/>
+              <a:cs typeface="Arial" panose="020B0604020202020204" pitchFamily="34" charset="0"/>
+            </a:endParaRPr>
           </a:p>
         </p:txBody>
       </p:sp>
@@ -5644,10 +5681,16 @@
           <a:p>
             <a:pPr algn="l"/>
             <a:r>
-              <a:rPr lang="de-DE" sz="2800" b="1" dirty="0" smtClean="0"/>
+              <a:rPr lang="de-DE" sz="2800" b="1" dirty="0" smtClean="0">
+                <a:latin typeface="Arial" panose="020B0604020202020204" pitchFamily="34" charset="0"/>
+                <a:cs typeface="Arial" panose="020B0604020202020204" pitchFamily="34" charset="0"/>
+              </a:rPr>
               <a:t>3 c) Kommunikationspolitik</a:t>
             </a:r>
-            <a:endParaRPr lang="de-DE" dirty="0"/>
+            <a:endParaRPr lang="de-DE" dirty="0">
+              <a:latin typeface="Arial" panose="020B0604020202020204" pitchFamily="34" charset="0"/>
+              <a:cs typeface="Arial" panose="020B0604020202020204" pitchFamily="34" charset="0"/>
+            </a:endParaRPr>
           </a:p>
         </p:txBody>
       </p:sp>
@@ -5889,10 +5932,16 @@
           <a:p>
             <a:pPr algn="l"/>
             <a:r>
-              <a:rPr lang="de-DE" sz="2800" b="1" dirty="0" smtClean="0"/>
+              <a:rPr lang="de-DE" sz="2800" b="1" dirty="0" smtClean="0">
+                <a:latin typeface="Arial" panose="020B0604020202020204" pitchFamily="34" charset="0"/>
+                <a:cs typeface="Arial" panose="020B0604020202020204" pitchFamily="34" charset="0"/>
+              </a:rPr>
               <a:t>3 c) Kommunikationspolitik</a:t>
             </a:r>
-            <a:endParaRPr lang="de-DE" dirty="0"/>
+            <a:endParaRPr lang="de-DE" dirty="0">
+              <a:latin typeface="Arial" panose="020B0604020202020204" pitchFamily="34" charset="0"/>
+              <a:cs typeface="Arial" panose="020B0604020202020204" pitchFamily="34" charset="0"/>
+            </a:endParaRPr>
           </a:p>
         </p:txBody>
       </p:sp>
@@ -5927,7 +5976,10 @@
               <a:buNone/>
             </a:pPr>
             <a:r>
-              <a:rPr lang="de-DE" b="1" dirty="0" smtClean="0"/>
+              <a:rPr lang="de-DE" b="1" dirty="0" smtClean="0">
+                <a:latin typeface="Arial" panose="020B0604020202020204" pitchFamily="34" charset="0"/>
+                <a:cs typeface="Arial" panose="020B0604020202020204" pitchFamily="34" charset="0"/>
+              </a:rPr>
               <a:t>Flyer &amp; Plakate mit </a:t>
             </a:r>
           </a:p>
@@ -5936,10 +5988,16 @@
               <a:buNone/>
             </a:pPr>
             <a:r>
-              <a:rPr lang="de-DE" b="1" dirty="0" smtClean="0"/>
+              <a:rPr lang="de-DE" b="1" dirty="0" smtClean="0">
+                <a:latin typeface="Arial" panose="020B0604020202020204" pitchFamily="34" charset="0"/>
+                <a:cs typeface="Arial" panose="020B0604020202020204" pitchFamily="34" charset="0"/>
+              </a:rPr>
               <a:t>folgendem Layout: </a:t>
             </a:r>
-            <a:endParaRPr lang="de-DE" b="1" dirty="0"/>
+            <a:endParaRPr lang="de-DE" b="1" dirty="0">
+              <a:latin typeface="Arial" panose="020B0604020202020204" pitchFamily="34" charset="0"/>
+              <a:cs typeface="Arial" panose="020B0604020202020204" pitchFamily="34" charset="0"/>
+            </a:endParaRPr>
           </a:p>
           <a:p>
             <a:pPr>
@@ -5947,7 +6005,10 @@
               <a:buChar char="-"/>
             </a:pPr>
             <a:r>
-              <a:rPr lang="de-DE" dirty="0" smtClean="0"/>
+              <a:rPr lang="de-DE" dirty="0" smtClean="0">
+                <a:latin typeface="Arial" panose="020B0604020202020204" pitchFamily="34" charset="0"/>
+                <a:cs typeface="Arial" panose="020B0604020202020204" pitchFamily="34" charset="0"/>
+              </a:rPr>
               <a:t>Gezielte Anbringung der Plakate </a:t>
             </a:r>
           </a:p>
@@ -5957,10 +6018,16 @@
               <a:buChar char="-"/>
             </a:pPr>
             <a:r>
-              <a:rPr lang="de-DE" dirty="0" smtClean="0"/>
+              <a:rPr lang="de-DE" dirty="0" smtClean="0">
+                <a:latin typeface="Arial" panose="020B0604020202020204" pitchFamily="34" charset="0"/>
+                <a:cs typeface="Arial" panose="020B0604020202020204" pitchFamily="34" charset="0"/>
+              </a:rPr>
               <a:t>Gezielte Verteilung der Flyer</a:t>
             </a:r>
-            <a:endParaRPr lang="de-DE" dirty="0"/>
+            <a:endParaRPr lang="de-DE" dirty="0">
+              <a:latin typeface="Arial" panose="020B0604020202020204" pitchFamily="34" charset="0"/>
+              <a:cs typeface="Arial" panose="020B0604020202020204" pitchFamily="34" charset="0"/>
+            </a:endParaRPr>
           </a:p>
           <a:p>
             <a:endParaRPr lang="de-DE" dirty="0"/>
@@ -6012,8 +6079,8 @@
         </p:blipFill>
         <p:spPr>
           <a:xfrm>
-            <a:off x="4932040" y="476672"/>
-            <a:ext cx="4008000" cy="6012000"/>
+            <a:off x="5220072" y="657360"/>
+            <a:ext cx="3863984" cy="5795976"/>
           </a:xfrm>
           <a:prstGeom prst="rect">
             <a:avLst/>
@@ -8024,10 +8091,23 @@
           <a:p>
             <a:pPr algn="l"/>
             <a:r>
-              <a:rPr lang="de-DE" sz="2800" b="1" dirty="0" smtClean="0"/>
-              <a:t>3 d) Vertriebspolitik</a:t>
-            </a:r>
-            <a:endParaRPr lang="de-DE" sz="2800" b="1" dirty="0"/>
+              <a:rPr lang="de-DE" sz="2800" b="1" dirty="0" smtClean="0">
+                <a:latin typeface="Arial" panose="020B0604020202020204" pitchFamily="34" charset="0"/>
+                <a:cs typeface="Arial" panose="020B0604020202020204" pitchFamily="34" charset="0"/>
+              </a:rPr>
+              <a:t>3 d) </a:t>
+            </a:r>
+            <a:r>
+              <a:rPr lang="de-DE" sz="2800" b="1" dirty="0" smtClean="0">
+                <a:latin typeface="Arial" panose="020B0604020202020204" pitchFamily="34" charset="0"/>
+                <a:cs typeface="Arial" panose="020B0604020202020204" pitchFamily="34" charset="0"/>
+              </a:rPr>
+              <a:t>Vertriebspolitik</a:t>
+            </a:r>
+            <a:endParaRPr lang="de-DE" sz="2800" b="1" dirty="0">
+              <a:latin typeface="Arial" panose="020B0604020202020204" pitchFamily="34" charset="0"/>
+              <a:cs typeface="Arial" panose="020B0604020202020204" pitchFamily="34" charset="0"/>
+            </a:endParaRPr>
           </a:p>
         </p:txBody>
       </p:sp>
@@ -8582,10 +8662,16 @@
           <a:p>
             <a:pPr algn="l"/>
             <a:r>
-              <a:rPr lang="de-DE" sz="2800" b="1" dirty="0" smtClean="0"/>
+              <a:rPr lang="de-DE" sz="2800" b="1" dirty="0" smtClean="0">
+                <a:latin typeface="Arial" panose="020B0604020202020204" pitchFamily="34" charset="0"/>
+                <a:cs typeface="Arial" panose="020B0604020202020204" pitchFamily="34" charset="0"/>
+              </a:rPr>
               <a:t>4. Fazit</a:t>
             </a:r>
-            <a:endParaRPr lang="de-DE" sz="2800" b="1" dirty="0"/>
+            <a:endParaRPr lang="de-DE" sz="2800" b="1" dirty="0">
+              <a:latin typeface="Arial" panose="020B0604020202020204" pitchFamily="34" charset="0"/>
+              <a:cs typeface="Arial" panose="020B0604020202020204" pitchFamily="34" charset="0"/>
+            </a:endParaRPr>
           </a:p>
         </p:txBody>
       </p:sp>
@@ -9604,30 +9690,48 @@
               <a:buNone/>
             </a:pPr>
             <a:r>
-              <a:rPr lang="de-DE" b="1" dirty="0" smtClean="0"/>
+              <a:rPr lang="de-DE" b="1" dirty="0" smtClean="0">
+                <a:latin typeface="Arial" panose="020B0604020202020204" pitchFamily="34" charset="0"/>
+                <a:cs typeface="Arial" panose="020B0604020202020204" pitchFamily="34" charset="0"/>
+              </a:rPr>
               <a:t>Produktpolitik</a:t>
             </a:r>
             <a:r>
-              <a:rPr lang="de-DE" dirty="0"/>
+              <a:rPr lang="de-DE" dirty="0">
+                <a:latin typeface="Arial" panose="020B0604020202020204" pitchFamily="34" charset="0"/>
+                <a:cs typeface="Arial" panose="020B0604020202020204" pitchFamily="34" charset="0"/>
+              </a:rPr>
               <a:t>: </a:t>
             </a:r>
-            <a:endParaRPr lang="de-DE" dirty="0" smtClean="0"/>
+            <a:endParaRPr lang="de-DE" dirty="0" smtClean="0">
+              <a:latin typeface="Arial" panose="020B0604020202020204" pitchFamily="34" charset="0"/>
+              <a:cs typeface="Arial" panose="020B0604020202020204" pitchFamily="34" charset="0"/>
+            </a:endParaRPr>
           </a:p>
           <a:p>
             <a:pPr lvl="1"/>
             <a:r>
-              <a:rPr lang="de-DE" dirty="0" smtClean="0"/>
+              <a:rPr lang="de-DE" dirty="0" smtClean="0">
+                <a:latin typeface="Arial" panose="020B0604020202020204" pitchFamily="34" charset="0"/>
+                <a:cs typeface="Arial" panose="020B0604020202020204" pitchFamily="34" charset="0"/>
+              </a:rPr>
               <a:t>Entscheidungen</a:t>
             </a:r>
             <a:r>
-              <a:rPr lang="de-DE" dirty="0"/>
+              <a:rPr lang="de-DE" dirty="0">
+                <a:latin typeface="Arial" panose="020B0604020202020204" pitchFamily="34" charset="0"/>
+                <a:cs typeface="Arial" panose="020B0604020202020204" pitchFamily="34" charset="0"/>
+              </a:rPr>
               <a:t>, die die Gestaltung des Leistungsprogramms eines Unternehmens betreffen. </a:t>
             </a:r>
           </a:p>
           <a:p>
             <a:pPr lvl="1"/>
             <a:r>
-              <a:rPr lang="de-DE" dirty="0"/>
+              <a:rPr lang="de-DE" dirty="0">
+                <a:latin typeface="Arial" panose="020B0604020202020204" pitchFamily="34" charset="0"/>
+                <a:cs typeface="Arial" panose="020B0604020202020204" pitchFamily="34" charset="0"/>
+              </a:rPr>
               <a:t>z.B. die Analyse, Planung und Umsetzung von Produktveränderungen und Serviceleistungen, die Markenpolitik, Namensgebung sowie die Verpackungsgestaltung.</a:t>
             </a:r>
           </a:p>
@@ -9838,30 +9942,45 @@
               <a:buNone/>
             </a:pPr>
             <a:r>
-              <a:rPr lang="de-DE" b="1" dirty="0"/>
+              <a:rPr lang="de-DE" b="1" dirty="0">
+                <a:latin typeface="Arial" panose="020B0604020202020204" pitchFamily="34" charset="0"/>
+                <a:cs typeface="Arial" panose="020B0604020202020204" pitchFamily="34" charset="0"/>
+              </a:rPr>
               <a:t>Preispolitik</a:t>
             </a:r>
             <a:r>
-              <a:rPr lang="de-DE" dirty="0"/>
+              <a:rPr lang="de-DE" dirty="0">
+                <a:latin typeface="Arial" panose="020B0604020202020204" pitchFamily="34" charset="0"/>
+                <a:cs typeface="Arial" panose="020B0604020202020204" pitchFamily="34" charset="0"/>
+              </a:rPr>
               <a:t>: </a:t>
             </a:r>
           </a:p>
           <a:p>
             <a:pPr lvl="1"/>
             <a:r>
-              <a:rPr lang="de-DE" dirty="0"/>
+              <a:rPr lang="de-DE" dirty="0">
+                <a:latin typeface="Arial" panose="020B0604020202020204" pitchFamily="34" charset="0"/>
+                <a:cs typeface="Arial" panose="020B0604020202020204" pitchFamily="34" charset="0"/>
+              </a:rPr>
               <a:t>Konditionen zu denen Produkte und Leistungen angeboten werden</a:t>
             </a:r>
           </a:p>
           <a:p>
             <a:pPr lvl="1"/>
             <a:r>
-              <a:rPr lang="de-DE" dirty="0"/>
+              <a:rPr lang="de-DE" dirty="0">
+                <a:latin typeface="Arial" panose="020B0604020202020204" pitchFamily="34" charset="0"/>
+                <a:cs typeface="Arial" panose="020B0604020202020204" pitchFamily="34" charset="0"/>
+              </a:rPr>
               <a:t>Entscheidungsparameter sind z.B. der Grundpreis, Rabatte, Boni und Skonti.</a:t>
             </a:r>
           </a:p>
           <a:p>
-            <a:endParaRPr lang="de-DE" dirty="0"/>
+            <a:endParaRPr lang="de-DE" dirty="0">
+              <a:latin typeface="Arial" panose="020B0604020202020204" pitchFamily="34" charset="0"/>
+              <a:cs typeface="Arial" panose="020B0604020202020204" pitchFamily="34" charset="0"/>
+            </a:endParaRPr>
           </a:p>
         </p:txBody>
       </p:sp>
@@ -10086,42 +10205,69 @@
               <a:buNone/>
             </a:pPr>
             <a:r>
-              <a:rPr lang="de-DE" b="1" dirty="0"/>
+              <a:rPr lang="de-DE" b="1" dirty="0">
+                <a:latin typeface="Arial" panose="020B0604020202020204" pitchFamily="34" charset="0"/>
+                <a:cs typeface="Arial" panose="020B0604020202020204" pitchFamily="34" charset="0"/>
+              </a:rPr>
               <a:t>Kommunikationspolitik:  </a:t>
             </a:r>
-            <a:endParaRPr lang="de-DE" dirty="0"/>
+            <a:endParaRPr lang="de-DE" dirty="0">
+              <a:latin typeface="Arial" panose="020B0604020202020204" pitchFamily="34" charset="0"/>
+              <a:cs typeface="Arial" panose="020B0604020202020204" pitchFamily="34" charset="0"/>
+            </a:endParaRPr>
           </a:p>
           <a:p>
             <a:pPr lvl="1"/>
             <a:r>
-              <a:rPr lang="de-DE" dirty="0"/>
+              <a:rPr lang="de-DE" dirty="0">
+                <a:latin typeface="Arial" panose="020B0604020202020204" pitchFamily="34" charset="0"/>
+                <a:cs typeface="Arial" panose="020B0604020202020204" pitchFamily="34" charset="0"/>
+              </a:rPr>
               <a:t>alle Maßnahmen, die der Kommunikation zwischen Unternehmen und ihren aktuellen und potenziellen Kunden, Mitarbeitern und Bezugsgruppen dienen.</a:t>
             </a:r>
           </a:p>
           <a:p>
             <a:pPr lvl="1"/>
             <a:r>
-              <a:rPr lang="de-DE" dirty="0" smtClean="0"/>
+              <a:rPr lang="de-DE" dirty="0" smtClean="0">
+                <a:latin typeface="Arial" panose="020B0604020202020204" pitchFamily="34" charset="0"/>
+                <a:cs typeface="Arial" panose="020B0604020202020204" pitchFamily="34" charset="0"/>
+              </a:rPr>
               <a:t>Kommunikationsinstrumente </a:t>
             </a:r>
             <a:r>
-              <a:rPr lang="de-DE" dirty="0"/>
+              <a:rPr lang="de-DE" dirty="0">
+                <a:latin typeface="Arial" panose="020B0604020202020204" pitchFamily="34" charset="0"/>
+                <a:cs typeface="Arial" panose="020B0604020202020204" pitchFamily="34" charset="0"/>
+              </a:rPr>
               <a:t>der klassischen </a:t>
             </a:r>
             <a:r>
-              <a:rPr lang="de-DE" dirty="0" smtClean="0"/>
+              <a:rPr lang="de-DE" dirty="0" smtClean="0">
+                <a:latin typeface="Arial" panose="020B0604020202020204" pitchFamily="34" charset="0"/>
+                <a:cs typeface="Arial" panose="020B0604020202020204" pitchFamily="34" charset="0"/>
+              </a:rPr>
               <a:t>Mediawerbung:</a:t>
             </a:r>
             <a:r>
-              <a:rPr lang="de-DE" dirty="0"/>
+              <a:rPr lang="de-DE" dirty="0">
+                <a:latin typeface="Arial" panose="020B0604020202020204" pitchFamily="34" charset="0"/>
+                <a:cs typeface="Arial" panose="020B0604020202020204" pitchFamily="34" charset="0"/>
+              </a:rPr>
               <a:t> </a:t>
             </a:r>
             <a:r>
-              <a:rPr lang="de-DE" dirty="0" err="1"/>
+              <a:rPr lang="de-DE" dirty="0" err="1">
+                <a:latin typeface="Arial" panose="020B0604020202020204" pitchFamily="34" charset="0"/>
+                <a:cs typeface="Arial" panose="020B0604020202020204" pitchFamily="34" charset="0"/>
+              </a:rPr>
               <a:t>Direct</a:t>
             </a:r>
             <a:r>
-              <a:rPr lang="de-DE" dirty="0"/>
+              <a:rPr lang="de-DE" dirty="0">
+                <a:latin typeface="Arial" panose="020B0604020202020204" pitchFamily="34" charset="0"/>
+                <a:cs typeface="Arial" panose="020B0604020202020204" pitchFamily="34" charset="0"/>
+              </a:rPr>
               <a:t> Marketing, Verkaufsförderung, Sponsoring, Public Relations, Messen und Events eingesetzt.</a:t>
             </a:r>
           </a:p>
